--- a/PHD Progression.pptx
+++ b/PHD Progression.pptx
@@ -110,6 +110,11 @@
       </a:defRPr>
     </a:lvl9pPr>
   </p:defaultTextStyle>
+  <p:extLst>
+    <p:ext uri="{EFAFB233-063F-42B5-8137-9DF3F51BA10A}">
+      <p15:sldGuideLst xmlns:p15="http://schemas.microsoft.com/office/powerpoint/2012/main"/>
+    </p:ext>
+  </p:extLst>
 </p:presentation>
 </file>
 
@@ -358,7 +363,7 @@
           <a:p>
             <a:fld id="{BB17A985-B9ED-4A91-8D48-FA6D54632100}" type="datetimeFigureOut">
               <a:rPr lang="en-GB" smtClean="0"/>
-              <a:t>09/11/2025</a:t>
+              <a:t>20/11/2025</a:t>
             </a:fld>
             <a:endParaRPr lang="en-GB"/>
           </a:p>
@@ -620,7 +625,7 @@
           <a:p>
             <a:fld id="{BB17A985-B9ED-4A91-8D48-FA6D54632100}" type="datetimeFigureOut">
               <a:rPr lang="en-GB" smtClean="0"/>
-              <a:t>09/11/2025</a:t>
+              <a:t>20/11/2025</a:t>
             </a:fld>
             <a:endParaRPr lang="en-GB"/>
           </a:p>
@@ -855,7 +860,7 @@
           <a:p>
             <a:fld id="{BB17A985-B9ED-4A91-8D48-FA6D54632100}" type="datetimeFigureOut">
               <a:rPr lang="en-GB" smtClean="0"/>
-              <a:t>09/11/2025</a:t>
+              <a:t>20/11/2025</a:t>
             </a:fld>
             <a:endParaRPr lang="en-GB"/>
           </a:p>
@@ -1095,7 +1100,7 @@
           <a:p>
             <a:fld id="{BB17A985-B9ED-4A91-8D48-FA6D54632100}" type="datetimeFigureOut">
               <a:rPr lang="en-GB" smtClean="0"/>
-              <a:t>09/11/2025</a:t>
+              <a:t>20/11/2025</a:t>
             </a:fld>
             <a:endParaRPr lang="en-GB"/>
           </a:p>
@@ -1402,7 +1407,7 @@
           <a:p>
             <a:fld id="{BB17A985-B9ED-4A91-8D48-FA6D54632100}" type="datetimeFigureOut">
               <a:rPr lang="en-GB" smtClean="0"/>
-              <a:t>09/11/2025</a:t>
+              <a:t>20/11/2025</a:t>
             </a:fld>
             <a:endParaRPr lang="en-GB"/>
           </a:p>
@@ -1704,7 +1709,7 @@
           <a:p>
             <a:fld id="{BB17A985-B9ED-4A91-8D48-FA6D54632100}" type="datetimeFigureOut">
               <a:rPr lang="en-GB" smtClean="0"/>
-              <a:t>09/11/2025</a:t>
+              <a:t>20/11/2025</a:t>
             </a:fld>
             <a:endParaRPr lang="en-GB"/>
           </a:p>
@@ -2126,7 +2131,7 @@
           <a:p>
             <a:fld id="{BB17A985-B9ED-4A91-8D48-FA6D54632100}" type="datetimeFigureOut">
               <a:rPr lang="en-GB" smtClean="0"/>
-              <a:t>09/11/2025</a:t>
+              <a:t>20/11/2025</a:t>
             </a:fld>
             <a:endParaRPr lang="en-GB"/>
           </a:p>
@@ -2288,7 +2293,7 @@
           <a:p>
             <a:fld id="{BB17A985-B9ED-4A91-8D48-FA6D54632100}" type="datetimeFigureOut">
               <a:rPr lang="en-GB" smtClean="0"/>
-              <a:t>09/11/2025</a:t>
+              <a:t>20/11/2025</a:t>
             </a:fld>
             <a:endParaRPr lang="en-GB"/>
           </a:p>
@@ -2383,7 +2388,7 @@
           <a:p>
             <a:fld id="{BB17A985-B9ED-4A91-8D48-FA6D54632100}" type="datetimeFigureOut">
               <a:rPr lang="en-GB" smtClean="0"/>
-              <a:t>09/11/2025</a:t>
+              <a:t>20/11/2025</a:t>
             </a:fld>
             <a:endParaRPr lang="en-GB"/>
           </a:p>
@@ -2761,7 +2766,7 @@
           <a:p>
             <a:fld id="{BB17A985-B9ED-4A91-8D48-FA6D54632100}" type="datetimeFigureOut">
               <a:rPr lang="en-GB" smtClean="0"/>
-              <a:t>09/11/2025</a:t>
+              <a:t>20/11/2025</a:t>
             </a:fld>
             <a:endParaRPr lang="en-GB"/>
           </a:p>
@@ -3050,7 +3055,7 @@
           <a:p>
             <a:fld id="{BB17A985-B9ED-4A91-8D48-FA6D54632100}" type="datetimeFigureOut">
               <a:rPr lang="en-GB" smtClean="0"/>
-              <a:t>09/11/2025</a:t>
+              <a:t>20/11/2025</a:t>
             </a:fld>
             <a:endParaRPr lang="en-GB"/>
           </a:p>
@@ -3261,7 +3266,7 @@
           <a:p>
             <a:fld id="{BB17A985-B9ED-4A91-8D48-FA6D54632100}" type="datetimeFigureOut">
               <a:rPr lang="en-GB" smtClean="0"/>
-              <a:t>09/11/2025</a:t>
+              <a:t>20/11/2025</a:t>
             </a:fld>
             <a:endParaRPr lang="en-GB"/>
           </a:p>
@@ -4777,7 +4782,7 @@
             </a:r>
             <a:r>
               <a:rPr lang="en-GB" b="1" dirty="0"/>
-              <a:t>Disjoint force-directed graph</a:t>
+              <a:t>force-directed graph</a:t>
             </a:r>
             <a:r>
               <a:rPr lang="en-US" b="1" dirty="0"/>
